--- a/Artefatos/15. Arquitetura de Negócio para cada Cenário.pptx
+++ b/Artefatos/15. Arquitetura de Negócio para cada Cenário.pptx
@@ -6262,11 +6262,7 @@
             </a:pPr>
             <a:r>
               <a:rPr lang="pt-BR" sz="1200" dirty="0"/>
-              <a:t>Contexto </a:t>
-            </a:r>
-            <a:r>
-              <a:rPr lang="pt-BR" sz="1200" dirty="0" smtClean="0"/>
-              <a:t>de Negócio</a:t>
+              <a:t>Contexto de Negócio</a:t>
             </a:r>
             <a:endParaRPr sz="1200" dirty="0"/>
           </a:p>
@@ -6328,7 +6324,7 @@
               <a:buNone/>
             </a:pPr>
             <a:r>
-              <a:rPr lang="pt-BR" sz="1000" dirty="0" smtClean="0"/>
+              <a:rPr lang="pt-BR" sz="1000" dirty="0"/>
               <a:t>Central Caos</a:t>
             </a:r>
             <a:endParaRPr sz="1000" dirty="0"/>
@@ -6551,7 +6547,7 @@
                 <a:buNone/>
               </a:pPr>
               <a:r>
-                <a:rPr lang="pt-BR" sz="1200" b="1" dirty="0" smtClean="0"/>
+                <a:rPr lang="pt-BR" sz="1200" b="1" dirty="0"/>
                 <a:t>Fornecedor</a:t>
               </a:r>
               <a:endParaRPr sz="1200" b="1" dirty="0"/>
@@ -6775,7 +6771,7 @@
                 <a:buNone/>
               </a:pPr>
               <a:r>
-                <a:rPr lang="pt-BR" sz="1200" b="1" dirty="0" smtClean="0"/>
+                <a:rPr lang="pt-BR" sz="1200" b="1" dirty="0"/>
                 <a:t>Cliente</a:t>
               </a:r>
               <a:endParaRPr sz="1200" b="1" dirty="0"/>
@@ -6885,7 +6881,7 @@
               <a:buChar char="v"/>
             </a:pPr>
             <a:r>
-              <a:rPr lang="pt-BR" sz="800" dirty="0" smtClean="0">
+              <a:rPr lang="pt-BR" sz="800" dirty="0">
                 <a:solidFill>
                   <a:schemeClr val="dk1"/>
                 </a:solidFill>
@@ -6936,7 +6932,7 @@
               <a:buChar char="❖"/>
             </a:pPr>
             <a:r>
-              <a:rPr lang="pt-BR" sz="800" dirty="0" smtClean="0">
+              <a:rPr lang="pt-BR" sz="800" dirty="0">
                 <a:solidFill>
                   <a:schemeClr val="dk1"/>
                 </a:solidFill>
@@ -6950,7 +6946,7 @@
               <a:buChar char="❖"/>
             </a:pPr>
             <a:r>
-              <a:rPr lang="pt-BR" sz="800" dirty="0" smtClean="0">
+              <a:rPr lang="pt-BR" sz="800" dirty="0">
                 <a:solidFill>
                   <a:schemeClr val="dk1"/>
                 </a:solidFill>
@@ -6964,7 +6960,7 @@
               <a:buChar char="❖"/>
             </a:pPr>
             <a:r>
-              <a:rPr lang="pt-BR" sz="800" dirty="0" smtClean="0">
+              <a:rPr lang="pt-BR" sz="800" dirty="0">
                 <a:solidFill>
                   <a:schemeClr val="dk1"/>
                 </a:solidFill>
@@ -7266,7 +7262,7 @@
                 <a:buNone/>
               </a:pPr>
               <a:r>
-                <a:rPr lang="pt-BR" sz="1200" b="1" dirty="0" smtClean="0"/>
+                <a:rPr lang="pt-BR" sz="1200" b="1" dirty="0"/>
                 <a:t>Contratante</a:t>
               </a:r>
               <a:endParaRPr sz="1200" b="1" dirty="0"/>
@@ -7339,7 +7335,7 @@
               <a:buChar char="❖"/>
             </a:pPr>
             <a:r>
-              <a:rPr lang="pt-BR" sz="800" dirty="0" smtClean="0">
+              <a:rPr lang="pt-BR" sz="800" dirty="0">
                 <a:solidFill>
                   <a:schemeClr val="dk1"/>
                 </a:solidFill>
@@ -7357,7 +7353,7 @@
               </a:spcAft>
               <a:buSzPts val="1000"/>
             </a:pPr>
-            <a:endParaRPr lang="pt-BR" sz="800" dirty="0" smtClean="0">
+            <a:endParaRPr lang="pt-BR" sz="800" dirty="0">
               <a:solidFill>
                 <a:schemeClr val="dk1"/>
               </a:solidFill>
@@ -7375,7 +7371,7 @@
               <a:buChar char="❖"/>
             </a:pPr>
             <a:r>
-              <a:rPr lang="pt-BR" sz="800" dirty="0" smtClean="0">
+              <a:rPr lang="pt-BR" sz="800" dirty="0">
                 <a:solidFill>
                   <a:schemeClr val="dk1"/>
                 </a:solidFill>
@@ -7395,13 +7391,6 @@
   <p:clrMapOvr>
     <a:masterClrMapping/>
   </p:clrMapOvr>
-  <p:timing>
-    <p:tnLst>
-      <p:par>
-        <p:cTn id="1" dur="indefinite" restart="never" nodeType="tmRoot"/>
-      </p:par>
-    </p:tnLst>
-  </p:timing>
 </p:sld>
 </file>
 
@@ -7520,7 +7509,7 @@
               <a:buChar char="❖"/>
             </a:pPr>
             <a:r>
-              <a:rPr lang="pt-BR" sz="1000" dirty="0" smtClean="0">
+              <a:rPr lang="pt-BR" sz="1000" dirty="0">
                 <a:solidFill>
                   <a:schemeClr val="dk1"/>
                 </a:solidFill>
@@ -7747,7 +7736,7 @@
                 <a:buNone/>
               </a:pPr>
               <a:r>
-                <a:rPr lang="pt-BR" sz="1200" b="1" dirty="0" smtClean="0"/>
+                <a:rPr lang="pt-BR" sz="1200" b="1" dirty="0"/>
                 <a:t>Cliente</a:t>
               </a:r>
               <a:endParaRPr sz="1200" b="1" dirty="0"/>
@@ -7838,14 +7827,16 @@
         <p:nvCxnSpPr>
           <p:cNvPr id="95" name="Google Shape;95;p14"/>
           <p:cNvCxnSpPr>
+            <a:cxnSpLocks/>
             <a:stCxn id="92" idx="2"/>
+            <a:endCxn id="96" idx="1"/>
           </p:cNvCxnSpPr>
           <p:nvPr/>
         </p:nvCxnSpPr>
         <p:spPr>
           <a:xfrm rot="16200000" flipH="1">
-            <a:off x="5433571" y="2248549"/>
-            <a:ext cx="1152293" cy="1483557"/>
+            <a:off x="5068479" y="2613641"/>
+            <a:ext cx="1119979" cy="721059"/>
           </a:xfrm>
           <a:prstGeom prst="curvedConnector2">
             <a:avLst/>
@@ -7870,7 +7861,7 @@
         </p:nvSpPr>
         <p:spPr>
           <a:xfrm>
-            <a:off x="6751496" y="3300675"/>
+            <a:off x="5988998" y="3268361"/>
             <a:ext cx="1723200" cy="531600"/>
           </a:xfrm>
           <a:prstGeom prst="bracketPair">
@@ -7899,11 +7890,7 @@
             </a:pPr>
             <a:r>
               <a:rPr lang="pt-BR" sz="1000" dirty="0"/>
-              <a:t>Atender </a:t>
-            </a:r>
-            <a:r>
-              <a:rPr lang="pt-BR" sz="1000" dirty="0" smtClean="0"/>
-              <a:t>cliente</a:t>
+              <a:t>Atender cliente</a:t>
             </a:r>
           </a:p>
         </p:txBody>
@@ -7964,140 +7951,13 @@
               <a:buNone/>
             </a:pPr>
             <a:r>
-              <a:rPr lang="pt-BR" sz="1000" dirty="0" smtClean="0"/>
-              <a:t>Balcão</a:t>
+              <a:rPr lang="pt-BR" sz="1000" dirty="0"/>
+              <a:t>Balcão/Salão</a:t>
             </a:r>
             <a:endParaRPr sz="1000" dirty="0"/>
           </a:p>
         </p:txBody>
       </p:sp>
-      <p:sp>
-        <p:nvSpPr>
-          <p:cNvPr id="18" name="Google Shape;92;p14"/>
-          <p:cNvSpPr/>
-          <p:nvPr/>
-        </p:nvSpPr>
-        <p:spPr>
-          <a:xfrm>
-            <a:off x="6163511" y="1882582"/>
-            <a:ext cx="1002600" cy="531600"/>
-          </a:xfrm>
-          <a:prstGeom prst="roundRect">
-            <a:avLst>
-              <a:gd name="adj" fmla="val 16667"/>
-            </a:avLst>
-          </a:prstGeom>
-          <a:gradFill>
-            <a:gsLst>
-              <a:gs pos="0">
-                <a:srgbClr val="D4E5F5"/>
-              </a:gs>
-              <a:gs pos="100000">
-                <a:srgbClr val="70A4D5"/>
-              </a:gs>
-            </a:gsLst>
-            <a:path path="circle">
-              <a:fillToRect l="50000" t="50000" r="50000" b="50000"/>
-            </a:path>
-            <a:tileRect/>
-          </a:gradFill>
-          <a:ln w="9525" cap="flat" cmpd="sng">
-            <a:solidFill>
-              <a:srgbClr val="F3F3F3"/>
-            </a:solidFill>
-            <a:prstDash val="solid"/>
-            <a:round/>
-            <a:headEnd type="none" w="sm" len="sm"/>
-            <a:tailEnd type="none" w="sm" len="sm"/>
-          </a:ln>
-        </p:spPr>
-        <p:txBody>
-          <a:bodyPr spcFirstLastPara="1" wrap="square" lIns="91425" tIns="91425" rIns="91425" bIns="91425" anchor="ctr" anchorCtr="0">
-            <a:noAutofit/>
-          </a:bodyPr>
-          <a:lstStyle/>
-          <a:p>
-            <a:pPr marL="0" lvl="0" indent="0" algn="ctr" rtl="0">
-              <a:spcBef>
-                <a:spcPts val="0"/>
-              </a:spcBef>
-              <a:spcAft>
-                <a:spcPts val="0"/>
-              </a:spcAft>
-              <a:buNone/>
-            </a:pPr>
-            <a:r>
-              <a:rPr lang="pt-BR" sz="1000" dirty="0" smtClean="0"/>
-              <a:t>Salão</a:t>
-            </a:r>
-            <a:endParaRPr sz="1000" dirty="0"/>
-          </a:p>
-        </p:txBody>
-      </p:sp>
-      <p:cxnSp>
-        <p:nvCxnSpPr>
-          <p:cNvPr id="39" name="Google Shape;91;p14"/>
-          <p:cNvCxnSpPr>
-            <a:stCxn id="18" idx="0"/>
-            <a:endCxn id="82" idx="2"/>
-          </p:cNvCxnSpPr>
-          <p:nvPr/>
-        </p:nvCxnSpPr>
-        <p:spPr>
-          <a:xfrm rot="16200000" flipV="1">
-            <a:off x="5126715" y="344485"/>
-            <a:ext cx="978432" cy="2097761"/>
-          </a:xfrm>
-          <a:prstGeom prst="curvedConnector3">
-            <a:avLst>
-              <a:gd name="adj1" fmla="val 24721"/>
-            </a:avLst>
-          </a:prstGeom>
-          <a:noFill/>
-          <a:ln w="9525" cap="flat" cmpd="sng">
-            <a:solidFill>
-              <a:schemeClr val="dk2"/>
-            </a:solidFill>
-            <a:prstDash val="solid"/>
-            <a:round/>
-            <a:headEnd type="none" w="med" len="med"/>
-            <a:tailEnd type="none" w="med" len="med"/>
-          </a:ln>
-        </p:spPr>
-      </p:cxnSp>
-      <p:cxnSp>
-        <p:nvCxnSpPr>
-          <p:cNvPr id="56" name="Google Shape;95;p14"/>
-          <p:cNvCxnSpPr>
-            <a:stCxn id="18" idx="3"/>
-            <a:endCxn id="96" idx="1"/>
-          </p:cNvCxnSpPr>
-          <p:nvPr/>
-        </p:nvCxnSpPr>
-        <p:spPr>
-          <a:xfrm flipH="1">
-            <a:off x="6751496" y="2148382"/>
-            <a:ext cx="414615" cy="1418093"/>
-          </a:xfrm>
-          <a:prstGeom prst="curvedConnector5">
-            <a:avLst>
-              <a:gd name="adj1" fmla="val -55135"/>
-              <a:gd name="adj2" fmla="val 50000"/>
-              <a:gd name="adj3" fmla="val 155135"/>
-            </a:avLst>
-          </a:prstGeom>
-          <a:noFill/>
-          <a:ln w="9525" cap="flat" cmpd="sng">
-            <a:solidFill>
-              <a:schemeClr val="dk2"/>
-            </a:solidFill>
-            <a:prstDash val="solid"/>
-            <a:round/>
-            <a:headEnd type="none" w="med" len="med"/>
-            <a:tailEnd type="none" w="med" len="med"/>
-          </a:ln>
-        </p:spPr>
-      </p:cxnSp>
       <p:cxnSp>
         <p:nvCxnSpPr>
           <p:cNvPr id="59" name="Google Shape;95;p14"/>
@@ -8109,13 +7969,13 @@
         </p:nvCxnSpPr>
         <p:spPr>
           <a:xfrm rot="5400000">
-            <a:off x="2595692" y="2397839"/>
-            <a:ext cx="1152292" cy="1184979"/>
+            <a:off x="2955655" y="2721554"/>
+            <a:ext cx="1116045" cy="501300"/>
           </a:xfrm>
           <a:prstGeom prst="curvedConnector4">
             <a:avLst>
-              <a:gd name="adj1" fmla="val 47283"/>
-              <a:gd name="adj2" fmla="val 111789"/>
+              <a:gd name="adj1" fmla="val 22429"/>
+              <a:gd name="adj2" fmla="val 168402"/>
             </a:avLst>
           </a:prstGeom>
           <a:noFill/>
@@ -8186,7 +8046,7 @@
               <a:buNone/>
             </a:pPr>
             <a:r>
-              <a:rPr lang="pt-BR" sz="1000" dirty="0" smtClean="0"/>
+              <a:rPr lang="pt-BR" sz="1000" dirty="0"/>
               <a:t>Cozinha</a:t>
             </a:r>
             <a:endParaRPr sz="1000" dirty="0"/>
@@ -8201,7 +8061,7 @@
         </p:nvSpPr>
         <p:spPr>
           <a:xfrm>
-            <a:off x="2579348" y="3300674"/>
+            <a:off x="3263027" y="3264427"/>
             <a:ext cx="1723200" cy="531600"/>
           </a:xfrm>
           <a:prstGeom prst="bracketPair">
@@ -8235,7 +8095,7 @@
               <a:buChar char="●"/>
             </a:pPr>
             <a:r>
-              <a:rPr lang="pt-BR" sz="1000" dirty="0" smtClean="0"/>
+              <a:rPr lang="pt-BR" sz="1000" dirty="0"/>
               <a:t>Preparar pedido</a:t>
             </a:r>
             <a:endParaRPr sz="1000" dirty="0"/>
@@ -8306,13 +8166,6 @@
   <p:clrMapOvr>
     <a:masterClrMapping/>
   </p:clrMapOvr>
-  <p:timing>
-    <p:tnLst>
-      <p:par>
-        <p:cTn id="1" dur="indefinite" restart="never" nodeType="tmRoot"/>
-      </p:par>
-    </p:tnLst>
-  </p:timing>
 </p:sld>
 </file>
 
@@ -8431,7 +8284,7 @@
               <a:buChar char="❖"/>
             </a:pPr>
             <a:r>
-              <a:rPr lang="pt-BR" sz="1000" dirty="0" smtClean="0">
+              <a:rPr lang="pt-BR" sz="1000" dirty="0">
                 <a:solidFill>
                   <a:schemeClr val="dk1"/>
                 </a:solidFill>
@@ -8658,7 +8511,7 @@
                 <a:buNone/>
               </a:pPr>
               <a:r>
-                <a:rPr lang="pt-BR" sz="1200" b="1" dirty="0" smtClean="0"/>
+                <a:rPr lang="pt-BR" sz="1200" b="1" dirty="0"/>
                 <a:t>Fornecedor</a:t>
               </a:r>
               <a:endParaRPr sz="1200" b="1" dirty="0"/>
@@ -8847,7 +8700,7 @@
               <a:buChar char="●"/>
             </a:pPr>
             <a:r>
-              <a:rPr lang="pt-BR" sz="1000" dirty="0" smtClean="0"/>
+              <a:rPr lang="pt-BR" sz="1000" dirty="0"/>
               <a:t>Comprar</a:t>
             </a:r>
             <a:endParaRPr sz="1000" dirty="0"/>
@@ -8910,7 +8763,7 @@
               <a:buNone/>
             </a:pPr>
             <a:r>
-              <a:rPr lang="pt-BR" sz="1000" dirty="0" smtClean="0"/>
+              <a:rPr lang="pt-BR" sz="1000" dirty="0"/>
               <a:t>Escritório da gerência</a:t>
             </a:r>
             <a:endParaRPr sz="1000" dirty="0"/>
@@ -8927,13 +8780,6 @@
   <p:clrMapOvr>
     <a:masterClrMapping/>
   </p:clrMapOvr>
-  <p:timing>
-    <p:tnLst>
-      <p:par>
-        <p:cTn id="1" dur="indefinite" restart="never" nodeType="tmRoot"/>
-      </p:par>
-    </p:tnLst>
-  </p:timing>
 </p:sld>
 </file>
 
@@ -9044,7 +8890,7 @@
               </a:buClr>
               <a:buSzPts val="1000"/>
             </a:pPr>
-            <a:endParaRPr lang="pt-BR" sz="1050" dirty="0" smtClean="0">
+            <a:endParaRPr lang="pt-BR" sz="1050" dirty="0">
               <a:solidFill>
                 <a:schemeClr val="dk1"/>
               </a:solidFill>
@@ -9059,28 +8905,12 @@
               <a:buChar char="❖"/>
             </a:pPr>
             <a:r>
-              <a:rPr lang="pt-BR" sz="1000" dirty="0" smtClean="0">
-                <a:solidFill>
-                  <a:schemeClr val="dk1"/>
-                </a:solidFill>
-              </a:rPr>
-              <a:t>Solicitar </a:t>
-            </a:r>
-            <a:r>
               <a:rPr lang="pt-BR" sz="1000" dirty="0">
                 <a:solidFill>
                   <a:schemeClr val="dk1"/>
                 </a:solidFill>
               </a:rPr>
-              <a:t>devolução ou </a:t>
-            </a:r>
-            <a:r>
-              <a:rPr lang="pt-BR" sz="1000" dirty="0" smtClean="0">
-                <a:solidFill>
-                  <a:schemeClr val="dk1"/>
-                </a:solidFill>
-              </a:rPr>
-              <a:t>troca</a:t>
+              <a:t>Solicitar devolução ou troca</a:t>
             </a:r>
           </a:p>
           <a:p>
@@ -9090,7 +8920,7 @@
               </a:buClr>
               <a:buSzPts val="1000"/>
             </a:pPr>
-            <a:endParaRPr lang="pt-BR" sz="1000" dirty="0" smtClean="0">
+            <a:endParaRPr lang="pt-BR" sz="1000" dirty="0">
               <a:solidFill>
                 <a:schemeClr val="dk1"/>
               </a:solidFill>
@@ -9314,7 +9144,7 @@
                 <a:buNone/>
               </a:pPr>
               <a:r>
-                <a:rPr lang="pt-BR" sz="1200" b="1" dirty="0" smtClean="0"/>
+                <a:rPr lang="pt-BR" sz="1200" b="1" dirty="0"/>
                 <a:t>Fornecedor</a:t>
               </a:r>
               <a:endParaRPr sz="1200" b="1" dirty="0"/>
@@ -9503,7 +9333,7 @@
               <a:buChar char="●"/>
             </a:pPr>
             <a:r>
-              <a:rPr lang="pt-BR" sz="1000" dirty="0" smtClean="0"/>
+              <a:rPr lang="pt-BR" sz="1000" dirty="0"/>
               <a:t>Solicitar devolução ou troca</a:t>
             </a:r>
             <a:endParaRPr sz="1000" dirty="0"/>
@@ -9566,7 +9396,7 @@
               <a:buNone/>
             </a:pPr>
             <a:r>
-              <a:rPr lang="pt-BR" sz="1000" dirty="0" smtClean="0"/>
+              <a:rPr lang="pt-BR" sz="1000" dirty="0"/>
               <a:t>Escritório da gerência</a:t>
             </a:r>
             <a:endParaRPr sz="1000" dirty="0"/>
@@ -9696,7 +9526,7 @@
               <a:buChar char="v"/>
             </a:pPr>
             <a:r>
-              <a:rPr lang="pt-BR" sz="1000" dirty="0" smtClean="0">
+              <a:rPr lang="pt-BR" sz="1000" dirty="0">
                 <a:solidFill>
                   <a:schemeClr val="dk1"/>
                 </a:solidFill>
@@ -9922,7 +9752,7 @@
                 <a:buNone/>
               </a:pPr>
               <a:r>
-                <a:rPr lang="pt-BR" sz="1200" b="1" dirty="0" smtClean="0"/>
+                <a:rPr lang="pt-BR" sz="1200" b="1" dirty="0"/>
                 <a:t>Fornecedor</a:t>
               </a:r>
               <a:endParaRPr sz="1200" b="1" dirty="0"/>
@@ -10111,7 +9941,7 @@
               <a:buChar char="●"/>
             </a:pPr>
             <a:r>
-              <a:rPr lang="pt-BR" sz="1000" dirty="0" smtClean="0"/>
+              <a:rPr lang="pt-BR" sz="1000" dirty="0"/>
               <a:t>Solicitar cancelamento</a:t>
             </a:r>
             <a:endParaRPr sz="1000" dirty="0"/>
@@ -10174,7 +10004,7 @@
               <a:buNone/>
             </a:pPr>
             <a:r>
-              <a:rPr lang="pt-BR" sz="1000" dirty="0" smtClean="0"/>
+              <a:rPr lang="pt-BR" sz="1000" dirty="0"/>
               <a:t>Escritório da gerência</a:t>
             </a:r>
             <a:endParaRPr sz="1000" dirty="0"/>
@@ -10309,7 +10139,7 @@
               <a:buChar char="❖"/>
             </a:pPr>
             <a:r>
-              <a:rPr lang="pt-BR" sz="1000" dirty="0" smtClean="0">
+              <a:rPr lang="pt-BR" sz="1000" dirty="0">
                 <a:solidFill>
                   <a:schemeClr val="dk1"/>
                 </a:solidFill>
@@ -10536,7 +10366,7 @@
                 <a:buNone/>
               </a:pPr>
               <a:r>
-                <a:rPr lang="pt-BR" sz="1200" b="1" dirty="0" smtClean="0"/>
+                <a:rPr lang="pt-BR" sz="1200" b="1" dirty="0"/>
                 <a:t>Contratante</a:t>
               </a:r>
               <a:endParaRPr sz="1200" b="1" dirty="0"/>
@@ -10725,7 +10555,7 @@
               <a:buChar char="●"/>
             </a:pPr>
             <a:r>
-              <a:rPr lang="pt-BR" sz="1000" dirty="0" smtClean="0"/>
+              <a:rPr lang="pt-BR" sz="1000" dirty="0"/>
               <a:t>Fechar contrato</a:t>
             </a:r>
             <a:endParaRPr sz="1000" dirty="0"/>
@@ -10788,7 +10618,7 @@
               <a:buNone/>
             </a:pPr>
             <a:r>
-              <a:rPr lang="pt-BR" sz="1000" dirty="0" smtClean="0"/>
+              <a:rPr lang="pt-BR" sz="1000" dirty="0"/>
               <a:t>Escritório da gerência</a:t>
             </a:r>
             <a:endParaRPr sz="1000" dirty="0"/>
@@ -10918,26 +10748,13 @@
               <a:buChar char="v"/>
             </a:pPr>
             <a:r>
-              <a:rPr lang="pt-BR" sz="1000" dirty="0" smtClean="0">
-                <a:solidFill>
-                  <a:schemeClr val="dk1"/>
-                </a:solidFill>
-              </a:rPr>
-              <a:t>Realizar </a:t>
-            </a:r>
-            <a:r>
               <a:rPr lang="pt-BR" sz="1000" dirty="0">
                 <a:solidFill>
                   <a:schemeClr val="dk1"/>
                 </a:solidFill>
               </a:rPr>
-              <a:t>Evento</a:t>
+              <a:t>Realizar Evento</a:t>
             </a:r>
-            <a:endParaRPr lang="pt-BR" sz="1000" dirty="0" smtClean="0">
-              <a:solidFill>
-                <a:schemeClr val="dk1"/>
-              </a:solidFill>
-            </a:endParaRPr>
           </a:p>
         </p:txBody>
       </p:sp>
@@ -11157,7 +10974,7 @@
                 <a:buNone/>
               </a:pPr>
               <a:r>
-                <a:rPr lang="pt-BR" sz="1200" b="1" dirty="0" smtClean="0"/>
+                <a:rPr lang="pt-BR" sz="1200" b="1" dirty="0"/>
                 <a:t>Contratante</a:t>
               </a:r>
               <a:endParaRPr sz="1200" b="1" dirty="0"/>
@@ -11346,7 +11163,7 @@
               <a:buChar char="●"/>
             </a:pPr>
             <a:r>
-              <a:rPr lang="pt-BR" sz="1000" dirty="0" smtClean="0"/>
+              <a:rPr lang="pt-BR" sz="1000" dirty="0"/>
               <a:t>Realizar evento</a:t>
             </a:r>
             <a:endParaRPr sz="1000" dirty="0"/>
@@ -11409,7 +11226,7 @@
               <a:buNone/>
             </a:pPr>
             <a:r>
-              <a:rPr lang="pt-BR" sz="1000" dirty="0" smtClean="0"/>
+              <a:rPr lang="pt-BR" sz="1000" dirty="0"/>
               <a:t>Salão</a:t>
             </a:r>
             <a:endParaRPr sz="1000" dirty="0"/>
